--- a/docs/ppt/vsts_session_2.pptx
+++ b/docs/ppt/vsts_session_2.pptx
@@ -252,7 +252,7 @@
           <a:p>
             <a:fld id="{B8E2836F-6EE1-4D73-B84D-23F7FA67AAB2}" type="datetimeFigureOut">
               <a:rPr lang="fr-FR" smtClean="0"/>
-              <a:t>27/12/2017</a:t>
+              <a:t>29/12/2017</a:t>
             </a:fld>
             <a:endParaRPr lang="fr-FR"/>
           </a:p>
@@ -448,7 +448,7 @@
           <a:p>
             <a:fld id="{A5EDE011-ECEF-45A2-9944-92DF677378BD}" type="datetimeFigureOut">
               <a:rPr lang="fr-FR" smtClean="0"/>
-              <a:t>27/12/2017</a:t>
+              <a:t>29/12/2017</a:t>
             </a:fld>
             <a:endParaRPr lang="fr-FR"/>
           </a:p>
@@ -4723,7 +4723,7 @@
           <a:p>
             <a:fld id="{700A483B-339E-45E2-834D-6023C7F7710C}" type="datetime1">
               <a:rPr lang="fr-FR" smtClean="0"/>
-              <a:t>27/12/2017</a:t>
+              <a:t>29/12/2017</a:t>
             </a:fld>
             <a:endParaRPr lang="fr-FR"/>
           </a:p>
@@ -5324,7 +5324,7 @@
           <a:p>
             <a:fld id="{6AFBA173-71A8-45B2-A2F2-C63616F4A6B9}" type="datetime1">
               <a:rPr lang="fr-FR" smtClean="0"/>
-              <a:t>27/12/2017</a:t>
+              <a:t>29/12/2017</a:t>
             </a:fld>
             <a:endParaRPr lang="fr-FR"/>
           </a:p>
@@ -5853,7 +5853,7 @@
           <a:p>
             <a:fld id="{16C6585F-9FFA-4503-9742-D5E2C8CC642A}" type="datetime1">
               <a:rPr lang="fr-FR" smtClean="0"/>
-              <a:t>27/12/2017</a:t>
+              <a:t>29/12/2017</a:t>
             </a:fld>
             <a:endParaRPr lang="fr-FR"/>
           </a:p>
@@ -6184,7 +6184,7 @@
           <a:p>
             <a:fld id="{73DC4A2E-9C28-44C6-817B-2CD0A465DA71}" type="datetime1">
               <a:rPr lang="fr-FR" smtClean="0"/>
-              <a:t>27/12/2017</a:t>
+              <a:t>29/12/2017</a:t>
             </a:fld>
             <a:endParaRPr lang="fr-FR"/>
           </a:p>
@@ -6631,7 +6631,7 @@
           <a:p>
             <a:fld id="{400BFEFB-78EA-4BC0-8288-7BD6D1C5F6CD}" type="datetime1">
               <a:rPr lang="fr-FR" smtClean="0"/>
-              <a:t>27/12/2017</a:t>
+              <a:t>29/12/2017</a:t>
             </a:fld>
             <a:endParaRPr lang="fr-FR"/>
           </a:p>
@@ -7144,7 +7144,7 @@
           <a:p>
             <a:fld id="{AA7A8B17-E056-479B-A5F3-C2BC5B4EC0FF}" type="datetime1">
               <a:rPr lang="fr-FR" smtClean="0"/>
-              <a:t>27/12/2017</a:t>
+              <a:t>29/12/2017</a:t>
             </a:fld>
             <a:endParaRPr lang="fr-FR"/>
           </a:p>
@@ -7853,7 +7853,7 @@
           <a:p>
             <a:fld id="{B90EB8EA-B7AE-4C9A-AC10-5E852DBBC036}" type="datetime1">
               <a:rPr lang="fr-FR" smtClean="0"/>
-              <a:t>27/12/2017</a:t>
+              <a:t>29/12/2017</a:t>
             </a:fld>
             <a:endParaRPr lang="fr-FR"/>
           </a:p>
@@ -8590,7 +8590,7 @@
           <a:p>
             <a:fld id="{D417B1C5-8850-4379-A7B3-F738A51E5440}" type="datetime1">
               <a:rPr lang="fr-FR" smtClean="0"/>
-              <a:t>27/12/2017</a:t>
+              <a:t>29/12/2017</a:t>
             </a:fld>
             <a:endParaRPr lang="fr-FR"/>
           </a:p>
@@ -9171,7 +9171,7 @@
           <a:p>
             <a:fld id="{97B11E26-4ECC-411D-B38B-1F74A5626636}" type="datetime1">
               <a:rPr lang="fr-FR" smtClean="0"/>
-              <a:t>27/12/2017</a:t>
+              <a:t>29/12/2017</a:t>
             </a:fld>
             <a:endParaRPr lang="fr-FR"/>
           </a:p>
@@ -9471,7 +9471,7 @@
           <a:p>
             <a:fld id="{CC403963-5282-47FE-BE0C-7D0A19B92541}" type="datetime1">
               <a:rPr lang="fr-FR" smtClean="0"/>
-              <a:t>27/12/2017</a:t>
+              <a:t>29/12/2017</a:t>
             </a:fld>
             <a:endParaRPr lang="fr-FR"/>
           </a:p>
@@ -9882,7 +9882,7 @@
           <a:p>
             <a:fld id="{E36B2E4B-023F-4427-9815-A50339BE3FD0}" type="datetime1">
               <a:rPr lang="fr-FR" smtClean="0"/>
-              <a:t>27/12/2017</a:t>
+              <a:t>29/12/2017</a:t>
             </a:fld>
             <a:endParaRPr lang="fr-FR"/>
           </a:p>
@@ -13203,7 +13203,7 @@
           <a:p>
             <a:fld id="{5A1C6F31-9877-4AC7-BD12-BEED217C5722}" type="datetime1">
               <a:rPr lang="fr-FR" smtClean="0"/>
-              <a:t>27/12/2017</a:t>
+              <a:t>29/12/2017</a:t>
             </a:fld>
             <a:endParaRPr lang="fr-FR"/>
           </a:p>
@@ -13509,7 +13509,7 @@
           <a:p>
             <a:fld id="{59396B43-9F0A-49B9-A8C1-36D6EACC6FCA}" type="datetime1">
               <a:rPr lang="fr-FR" smtClean="0"/>
-              <a:t>27/12/2017</a:t>
+              <a:t>29/12/2017</a:t>
             </a:fld>
             <a:endParaRPr lang="fr-FR"/>
           </a:p>
@@ -13815,7 +13815,7 @@
           <a:p>
             <a:fld id="{ECDCCD25-2D73-4BD5-BBC9-83627270580A}" type="datetime1">
               <a:rPr lang="fr-FR" smtClean="0"/>
-              <a:t>27/12/2017</a:t>
+              <a:t>29/12/2017</a:t>
             </a:fld>
             <a:endParaRPr lang="fr-FR"/>
           </a:p>
@@ -14129,7 +14129,7 @@
           <a:p>
             <a:fld id="{E2D2EBD4-DACC-48F0-BC00-9B51FCBD8170}" type="datetime1">
               <a:rPr lang="fr-FR" smtClean="0"/>
-              <a:t>27/12/2017</a:t>
+              <a:t>29/12/2017</a:t>
             </a:fld>
             <a:endParaRPr lang="fr-FR"/>
           </a:p>
@@ -14681,7 +14681,7 @@
           <a:p>
             <a:fld id="{073A5569-0A19-47D2-ADB8-E7D7FB79FBB4}" type="datetime1">
               <a:rPr lang="fr-FR" smtClean="0"/>
-              <a:t>27/12/2017</a:t>
+              <a:t>29/12/2017</a:t>
             </a:fld>
             <a:endParaRPr lang="fr-FR"/>
           </a:p>
@@ -15560,7 +15560,7 @@
           <a:p>
             <a:fld id="{9215EFDA-1A99-4ACC-BC27-2DDF7C12E59E}" type="datetime1">
               <a:rPr lang="fr-FR" smtClean="0"/>
-              <a:t>27/12/2017</a:t>
+              <a:t>29/12/2017</a:t>
             </a:fld>
             <a:endParaRPr lang="fr-FR"/>
           </a:p>
@@ -16594,7 +16594,7 @@
           <a:p>
             <a:fld id="{BE232821-5AF4-44D7-A2A4-07A679789379}" type="datetime1">
               <a:rPr lang="fr-FR" smtClean="0"/>
-              <a:t>27/12/2017</a:t>
+              <a:t>29/12/2017</a:t>
             </a:fld>
             <a:endParaRPr lang="fr-FR"/>
           </a:p>
@@ -17738,7 +17738,7 @@
           <a:p>
             <a:fld id="{E076B563-0998-4F2F-B03B-4D86927EC0C5}" type="datetime1">
               <a:rPr lang="fr-FR" smtClean="0"/>
-              <a:t>27/12/2017</a:t>
+              <a:t>29/12/2017</a:t>
             </a:fld>
             <a:endParaRPr lang="fr-FR"/>
           </a:p>
@@ -18177,7 +18177,7 @@
           <a:p>
             <a:fld id="{A9803671-C730-4995-BC63-1F38F892F21D}" type="datetime1">
               <a:rPr lang="fr-FR" smtClean="0"/>
-              <a:t>27/12/2017</a:t>
+              <a:t>29/12/2017</a:t>
             </a:fld>
             <a:endParaRPr lang="fr-FR"/>
           </a:p>
@@ -19207,7 +19207,7 @@
           <a:p>
             <a:fld id="{0EA6D3A2-19B5-4249-A568-67AF1C0DB16A}" type="datetime1">
               <a:rPr lang="fr-FR" smtClean="0"/>
-              <a:t>27/12/2017</a:t>
+              <a:t>29/12/2017</a:t>
             </a:fld>
             <a:endParaRPr lang="fr-FR"/>
           </a:p>
@@ -19980,7 +19980,7 @@
           <a:p>
             <a:fld id="{4F1DE6CB-402E-4D94-8EE3-3C2921152FFC}" type="datetime1">
               <a:rPr lang="fr-FR" smtClean="0"/>
-              <a:t>27/12/2017</a:t>
+              <a:t>29/12/2017</a:t>
             </a:fld>
             <a:endParaRPr lang="fr-FR"/>
           </a:p>
@@ -20560,7 +20560,7 @@
           <a:p>
             <a:fld id="{A9AE5A8F-E78A-4BC4-95F0-B01ACEE5F1C7}" type="datetime1">
               <a:rPr lang="fr-FR" smtClean="0"/>
-              <a:t>27/12/2017</a:t>
+              <a:t>29/12/2017</a:t>
             </a:fld>
             <a:endParaRPr lang="fr-FR"/>
           </a:p>
@@ -21059,7 +21059,7 @@
           <a:p>
             <a:fld id="{8BABDBF1-FC41-4A11-9D3F-CA37822FCA4A}" type="datetime1">
               <a:rPr lang="fr-FR" smtClean="0"/>
-              <a:t>27/12/2017</a:t>
+              <a:t>29/12/2017</a:t>
             </a:fld>
             <a:endParaRPr lang="fr-FR"/>
           </a:p>
@@ -21502,7 +21502,7 @@
           <a:p>
             <a:fld id="{EFA0A834-362C-4FD4-951B-A1E9C27832E9}" type="datetime1">
               <a:rPr lang="fr-FR" smtClean="0"/>
-              <a:t>27/12/2017</a:t>
+              <a:t>29/12/2017</a:t>
             </a:fld>
             <a:endParaRPr lang="fr-FR"/>
           </a:p>
@@ -22686,7 +22686,7 @@
           <a:p>
             <a:fld id="{A399346C-2AC7-4EAA-ADD7-B68A6486EF6B}" type="datetime1">
               <a:rPr lang="fr-FR" smtClean="0"/>
-              <a:t>27/12/2017</a:t>
+              <a:t>29/12/2017</a:t>
             </a:fld>
             <a:endParaRPr lang="fr-FR"/>
           </a:p>
@@ -25964,7 +25964,7 @@
           <a:p>
             <a:fld id="{C36954EA-0B3C-4E9C-8A10-532F27E8C57D}" type="datetime1">
               <a:rPr lang="fr-FR" smtClean="0"/>
-              <a:t>27/12/2017</a:t>
+              <a:t>29/12/2017</a:t>
             </a:fld>
             <a:endParaRPr lang="fr-FR"/>
           </a:p>
@@ -26696,7 +26696,7 @@
           <a:p>
             <a:fld id="{ACAD103E-E6EF-4A00-888F-9DE8FBBEC260}" type="datetime1">
               <a:rPr lang="fr-FR" smtClean="0"/>
-              <a:t>27/12/2017</a:t>
+              <a:t>29/12/2017</a:t>
             </a:fld>
             <a:endParaRPr lang="fr-FR"/>
           </a:p>
@@ -27468,7 +27468,7 @@
           <a:p>
             <a:fld id="{1ED1B372-3D33-47A0-8469-F78837E9C385}" type="datetime1">
               <a:rPr lang="fr-FR" smtClean="0"/>
-              <a:t>27/12/2017</a:t>
+              <a:t>29/12/2017</a:t>
             </a:fld>
             <a:endParaRPr lang="fr-FR"/>
           </a:p>
@@ -27931,7 +27931,7 @@
           <a:p>
             <a:fld id="{3E3A92E6-79F3-4BE6-B654-5EE46B71D22D}" type="datetime1">
               <a:rPr lang="fr-FR" smtClean="0"/>
-              <a:t>27/12/2017</a:t>
+              <a:t>29/12/2017</a:t>
             </a:fld>
             <a:endParaRPr lang="fr-FR"/>
           </a:p>
@@ -28177,7 +28177,7 @@
           <a:p>
             <a:fld id="{C6EBC251-218A-4796-BB38-35387A540BF6}" type="datetimeFigureOut">
               <a:rPr lang="fr-FR" smtClean="0"/>
-              <a:t>27/12/2017</a:t>
+              <a:t>29/12/2017</a:t>
             </a:fld>
             <a:endParaRPr lang="fr-FR"/>
           </a:p>
@@ -28336,7 +28336,7 @@
           <a:p>
             <a:fld id="{0F74D4B0-1CF1-4CA4-9C8D-CEEE9D3B3BE0}" type="datetime1">
               <a:rPr lang="fr-FR" smtClean="0"/>
-              <a:t>27/12/2017</a:t>
+              <a:t>29/12/2017</a:t>
             </a:fld>
             <a:endParaRPr lang="fr-FR"/>
           </a:p>
@@ -29526,7 +29526,7 @@
           <a:p>
             <a:fld id="{F3695AF1-C1BB-474F-83FB-0677920D792B}" type="datetime1">
               <a:rPr lang="fr-FR" smtClean="0"/>
-              <a:t>27/12/2017</a:t>
+              <a:t>29/12/2017</a:t>
             </a:fld>
             <a:endParaRPr lang="fr-FR"/>
           </a:p>
@@ -29771,7 +29771,7 @@
           <a:p>
             <a:fld id="{0C0C61A8-425C-49E5-9E7A-D8C4E4623C66}" type="datetime1">
               <a:rPr lang="fr-FR" smtClean="0"/>
-              <a:t>27/12/2017</a:t>
+              <a:t>29/12/2017</a:t>
             </a:fld>
             <a:endParaRPr lang="fr-FR"/>
           </a:p>
@@ -30124,7 +30124,7 @@
           <a:p>
             <a:fld id="{B79FBE4F-8B64-4FA3-A367-563BB57705FC}" type="datetime1">
               <a:rPr lang="fr-FR" smtClean="0"/>
-              <a:t>27/12/2017</a:t>
+              <a:t>29/12/2017</a:t>
             </a:fld>
             <a:endParaRPr lang="fr-FR"/>
           </a:p>
@@ -30358,7 +30358,7 @@
           <a:p>
             <a:fld id="{C824EBEE-D508-4928-BF48-F6A33EFA9EBF}" type="datetime1">
               <a:rPr lang="fr-FR" smtClean="0"/>
-              <a:t>27/12/2017</a:t>
+              <a:t>29/12/2017</a:t>
             </a:fld>
             <a:endParaRPr lang="fr-FR"/>
           </a:p>
@@ -32543,7 +32543,7 @@
           <a:p>
             <a:fld id="{C104B374-D852-420D-A1AD-BB4D780A5F57}" type="datetime1">
               <a:rPr lang="fr-FR" smtClean="0"/>
-              <a:t>27/12/2017</a:t>
+              <a:t>29/12/2017</a:t>
             </a:fld>
             <a:endParaRPr lang="fr-FR"/>
           </a:p>
@@ -32805,7 +32805,7 @@
           <a:p>
             <a:fld id="{56E236DA-5F9F-4D3A-A362-E35A80246EFE}" type="datetime1">
               <a:rPr lang="fr-FR" smtClean="0"/>
-              <a:t>27/12/2017</a:t>
+              <a:t>29/12/2017</a:t>
             </a:fld>
             <a:endParaRPr lang="fr-FR"/>
           </a:p>
@@ -32968,7 +32968,7 @@
           <a:p>
             <a:fld id="{579262CC-491C-4404-A056-B3ADA9836DBF}" type="datetime1">
               <a:rPr lang="fr-FR" smtClean="0"/>
-              <a:t>27/12/2017</a:t>
+              <a:t>29/12/2017</a:t>
             </a:fld>
             <a:endParaRPr lang="fr-FR"/>
           </a:p>
@@ -33105,7 +33105,7 @@
           <a:p>
             <a:fld id="{E65F2C5A-227A-4F63-9A21-CC502FFD1FCB}" type="datetime1">
               <a:rPr lang="fr-FR" smtClean="0"/>
-              <a:t>27/12/2017</a:t>
+              <a:t>29/12/2017</a:t>
             </a:fld>
             <a:endParaRPr lang="fr-FR"/>
           </a:p>
@@ -33993,7 +33993,7 @@
           <p:nvPr>
             <p:extLst>
               <p:ext uri="{D42A27DB-BD31-4B8C-83A1-F6EECF244321}">
-                <p14:modId xmlns:p14="http://schemas.microsoft.com/office/powerpoint/2010/main" val="3059148775"/>
+                <p14:modId xmlns:p14="http://schemas.microsoft.com/office/powerpoint/2010/main" val="600105265"/>
               </p:ext>
             </p:extLst>
           </p:nvPr>
@@ -36943,7 +36943,7 @@
                           <a:ea typeface=""/>
                           <a:cs typeface=""/>
                         </a:rPr>
-                        <a:t>Individuellement, les intervenants sont amenées à construire un pipeline de release de déployer dans le </a:t>
+                        <a:t>Individuellement, les intervenants sont amenées à construire un pipeline de release de déploiement dans le </a:t>
                       </a:r>
                       <a:r>
                         <a:rPr kumimoji="0" lang="fr-FR" sz="800" b="0" i="0" u="none" strike="noStrike" kern="1200" cap="none" normalizeH="0" baseline="0" dirty="0" err="1">
@@ -38051,7 +38051,10 @@
                       <a:prstDash val="solid"/>
                     </a:lnBlToTr>
                     <a:solidFill>
-                      <a:srgbClr val="FFFFFF"/>
+                      <a:schemeClr val="bg2">
+                        <a:lumMod val="20000"/>
+                        <a:lumOff val="80000"/>
+                      </a:schemeClr>
                     </a:solidFill>
                   </a:tcPr>
                 </a:tc>
@@ -38255,7 +38258,10 @@
                       <a:prstDash val="solid"/>
                     </a:lnBlToTr>
                     <a:solidFill>
-                      <a:srgbClr val="FFFFFF"/>
+                      <a:schemeClr val="bg2">
+                        <a:lumMod val="20000"/>
+                        <a:lumOff val="80000"/>
+                      </a:schemeClr>
                     </a:solidFill>
                   </a:tcPr>
                 </a:tc>
@@ -38424,7 +38430,10 @@
                       <a:prstDash val="solid"/>
                     </a:lnBlToTr>
                     <a:solidFill>
-                      <a:srgbClr val="FFFFFF"/>
+                      <a:schemeClr val="bg2">
+                        <a:lumMod val="20000"/>
+                        <a:lumOff val="80000"/>
+                      </a:schemeClr>
                     </a:solidFill>
                   </a:tcPr>
                 </a:tc>
@@ -38591,7 +38600,10 @@
                       <a:prstDash val="solid"/>
                     </a:lnBlToTr>
                     <a:solidFill>
-                      <a:srgbClr val="FFFFFF"/>
+                      <a:schemeClr val="bg2">
+                        <a:lumMod val="20000"/>
+                        <a:lumOff val="80000"/>
+                      </a:schemeClr>
                     </a:solidFill>
                   </a:tcPr>
                 </a:tc>
@@ -38756,7 +38768,10 @@
                       <a:prstDash val="solid"/>
                     </a:lnBlToTr>
                     <a:solidFill>
-                      <a:srgbClr val="FFFFFF"/>
+                      <a:schemeClr val="bg2">
+                        <a:lumMod val="20000"/>
+                        <a:lumOff val="80000"/>
+                      </a:schemeClr>
                     </a:solidFill>
                   </a:tcPr>
                 </a:tc>
@@ -39078,7 +39093,7 @@
           <a:p>
             <a:fld id="{97B11E26-4ECC-411D-B38B-1F74A5626636}" type="datetime1">
               <a:rPr lang="fr-FR" smtClean="0"/>
-              <a:t>27/12/2017</a:t>
+              <a:t>29/12/2017</a:t>
             </a:fld>
             <a:endParaRPr lang="fr-FR"/>
           </a:p>
@@ -40441,7 +40456,7 @@
           <a:p>
             <a:fld id="{10ADC7E1-5C83-42F4-9AD9-8D925EE255EB}" type="datetime1">
               <a:rPr lang="fr-FR" smtClean="0"/>
-              <a:t>27/12/2017</a:t>
+              <a:t>29/12/2017</a:t>
             </a:fld>
             <a:endParaRPr lang="fr-FR"/>
           </a:p>
@@ -40820,7 +40835,7 @@
           <a:p>
             <a:fld id="{2E44FBE9-9D5F-4F8E-A386-A37236F013AB}" type="datetime1">
               <a:rPr lang="fr-FR" smtClean="0"/>
-              <a:t>27/12/2017</a:t>
+              <a:t>29/12/2017</a:t>
             </a:fld>
             <a:endParaRPr lang="fr-FR"/>
           </a:p>
@@ -41075,7 +41090,7 @@
           <a:p>
             <a:fld id="{8A82D728-C442-4C17-819E-708664CA5B7A}" type="datetime1">
               <a:rPr lang="fr-FR" smtClean="0"/>
-              <a:t>27/12/2017</a:t>
+              <a:t>29/12/2017</a:t>
             </a:fld>
             <a:endParaRPr lang="fr-FR"/>
           </a:p>
@@ -45098,7 +45113,7 @@
           <a:p>
             <a:fld id="{10ADC7E1-5C83-42F4-9AD9-8D925EE255EB}" type="datetime1">
               <a:rPr lang="fr-FR" smtClean="0"/>
-              <a:t>27/12/2017</a:t>
+              <a:t>29/12/2017</a:t>
             </a:fld>
             <a:endParaRPr lang="fr-FR"/>
           </a:p>
@@ -45485,7 +45500,7 @@
         <p:spPr>
           <a:xfrm>
             <a:off x="344488" y="5661248"/>
-            <a:ext cx="8856984" cy="923330"/>
+            <a:ext cx="8856984" cy="1200329"/>
           </a:xfrm>
           <a:prstGeom prst="rect">
             <a:avLst/>
@@ -45602,7 +45617,7 @@
                   </a:schemeClr>
                 </a:solidFill>
               </a:rPr>
-              <a:t> » pour décider si nous déployons ou pas</a:t>
+              <a:t> » pour confirmer le déploiement dans un environnement  donnée si nous déployons ou pas</a:t>
             </a:r>
           </a:p>
         </p:txBody>
